--- a/supports/Project 2 presentation.pptx
+++ b/supports/Project 2 presentation.pptx
@@ -223,7 +223,7 @@
           <a:p>
             <a:fld id="{081908C2-F1FA-4AA1-810C-31F86594FA86}" type="datetimeFigureOut">
               <a:rPr lang="en-US" smtClean="0"/>
-              <a:t>4/27/2021</a:t>
+              <a:t>4/28/2021</a:t>
             </a:fld>
             <a:endParaRPr lang="en-US"/>
           </a:p>
@@ -388,7 +388,7 @@
           <a:p>
             <a:fld id="{56E8D31E-EEDD-42CA-A79A-B9539977145E}" type="datetimeFigureOut">
               <a:rPr lang="en-US" smtClean="0"/>
-              <a:t>4/27/2021</a:t>
+              <a:t>4/28/2021</a:t>
             </a:fld>
             <a:endParaRPr lang="en-US"/>
           </a:p>
@@ -802,7 +802,7 @@
           <a:p>
             <a:fld id="{E1DCD729-31D5-4480-98D7-69012EF3B7DD}" type="datetimeFigureOut">
               <a:rPr lang="en-US" smtClean="0"/>
-              <a:t>4/27/2021</a:t>
+              <a:t>4/28/2021</a:t>
             </a:fld>
             <a:endParaRPr lang="en-US"/>
           </a:p>
@@ -1000,7 +1000,7 @@
           <a:p>
             <a:fld id="{E1DCD729-31D5-4480-98D7-69012EF3B7DD}" type="datetimeFigureOut">
               <a:rPr lang="en-US" smtClean="0"/>
-              <a:t>4/27/2021</a:t>
+              <a:t>4/28/2021</a:t>
             </a:fld>
             <a:endParaRPr lang="en-US"/>
           </a:p>
@@ -1208,7 +1208,7 @@
           <a:p>
             <a:fld id="{E1DCD729-31D5-4480-98D7-69012EF3B7DD}" type="datetimeFigureOut">
               <a:rPr lang="en-US" smtClean="0"/>
-              <a:t>4/27/2021</a:t>
+              <a:t>4/28/2021</a:t>
             </a:fld>
             <a:endParaRPr lang="en-US"/>
           </a:p>
@@ -1406,7 +1406,7 @@
           <a:p>
             <a:fld id="{E1DCD729-31D5-4480-98D7-69012EF3B7DD}" type="datetimeFigureOut">
               <a:rPr lang="en-US" smtClean="0"/>
-              <a:t>4/27/2021</a:t>
+              <a:t>4/28/2021</a:t>
             </a:fld>
             <a:endParaRPr lang="en-US"/>
           </a:p>
@@ -1681,7 +1681,7 @@
           <a:p>
             <a:fld id="{E1DCD729-31D5-4480-98D7-69012EF3B7DD}" type="datetimeFigureOut">
               <a:rPr lang="en-US" smtClean="0"/>
-              <a:t>4/27/2021</a:t>
+              <a:t>4/28/2021</a:t>
             </a:fld>
             <a:endParaRPr lang="en-US"/>
           </a:p>
@@ -1946,7 +1946,7 @@
           <a:p>
             <a:fld id="{E1DCD729-31D5-4480-98D7-69012EF3B7DD}" type="datetimeFigureOut">
               <a:rPr lang="en-US" smtClean="0"/>
-              <a:t>4/27/2021</a:t>
+              <a:t>4/28/2021</a:t>
             </a:fld>
             <a:endParaRPr lang="en-US"/>
           </a:p>
@@ -2358,7 +2358,7 @@
           <a:p>
             <a:fld id="{E1DCD729-31D5-4480-98D7-69012EF3B7DD}" type="datetimeFigureOut">
               <a:rPr lang="en-US" smtClean="0"/>
-              <a:t>4/27/2021</a:t>
+              <a:t>4/28/2021</a:t>
             </a:fld>
             <a:endParaRPr lang="en-US"/>
           </a:p>
@@ -2499,7 +2499,7 @@
           <a:p>
             <a:fld id="{E1DCD729-31D5-4480-98D7-69012EF3B7DD}" type="datetimeFigureOut">
               <a:rPr lang="en-US" smtClean="0"/>
-              <a:t>4/27/2021</a:t>
+              <a:t>4/28/2021</a:t>
             </a:fld>
             <a:endParaRPr lang="en-US"/>
           </a:p>
@@ -2612,7 +2612,7 @@
           <a:p>
             <a:fld id="{E1DCD729-31D5-4480-98D7-69012EF3B7DD}" type="datetimeFigureOut">
               <a:rPr lang="en-US" smtClean="0"/>
-              <a:t>4/27/2021</a:t>
+              <a:t>4/28/2021</a:t>
             </a:fld>
             <a:endParaRPr lang="en-US"/>
           </a:p>
@@ -2923,7 +2923,7 @@
           <a:p>
             <a:fld id="{E1DCD729-31D5-4480-98D7-69012EF3B7DD}" type="datetimeFigureOut">
               <a:rPr lang="en-US" smtClean="0"/>
-              <a:t>4/27/2021</a:t>
+              <a:t>4/28/2021</a:t>
             </a:fld>
             <a:endParaRPr lang="en-US"/>
           </a:p>
@@ -3211,7 +3211,7 @@
           <a:p>
             <a:fld id="{E1DCD729-31D5-4480-98D7-69012EF3B7DD}" type="datetimeFigureOut">
               <a:rPr lang="en-US" smtClean="0"/>
-              <a:t>4/27/2021</a:t>
+              <a:t>4/28/2021</a:t>
             </a:fld>
             <a:endParaRPr lang="en-US"/>
           </a:p>
@@ -3461,7 +3461,7 @@
           <a:p>
             <a:fld id="{E1DCD729-31D5-4480-98D7-69012EF3B7DD}" type="datetimeFigureOut">
               <a:rPr lang="en-US" smtClean="0"/>
-              <a:t>4/27/2021</a:t>
+              <a:t>4/28/2021</a:t>
             </a:fld>
             <a:endParaRPr lang="en-US"/>
           </a:p>
@@ -8870,51 +8870,6 @@
           </a:prstGeom>
         </p:spPr>
       </p:pic>
-      <p:pic>
-        <p:nvPicPr>
-          <p:cNvPr id="23" name="Image 22">
-            <a:extLst>
-              <a:ext uri="{FF2B5EF4-FFF2-40B4-BE49-F238E27FC236}">
-                <a16:creationId xmlns:a16="http://schemas.microsoft.com/office/drawing/2014/main" id="{0483ED0C-1DC8-46FD-8AD4-41BBD1450FA6}"/>
-              </a:ext>
-            </a:extLst>
-          </p:cNvPr>
-          <p:cNvPicPr>
-            <a:picLocks noChangeAspect="1"/>
-          </p:cNvPicPr>
-          <p:nvPr/>
-        </p:nvPicPr>
-        <p:blipFill rotWithShape="1">
-          <a:blip r:embed="rId2">
-            <a:extLst>
-              <a:ext uri="{28A0092B-C50C-407E-A947-70E740481C1C}">
-                <a14:useLocalDpi xmlns:a14="http://schemas.microsoft.com/office/drawing/2010/main" val="0"/>
-              </a:ext>
-            </a:extLst>
-          </a:blip>
-          <a:srcRect l="2438" t="11707" r="64125" b="54047"/>
-          <a:stretch/>
-        </p:blipFill>
-        <p:spPr>
-          <a:xfrm>
-            <a:off x="1656308" y="2254388"/>
-            <a:ext cx="2869092" cy="1959078"/>
-          </a:xfrm>
-          <a:prstGeom prst="rect">
-            <a:avLst/>
-          </a:prstGeom>
-          <a:ln>
-            <a:noFill/>
-          </a:ln>
-          <a:effectLst>
-            <a:outerShdw blurRad="292100" dist="139700" dir="2700000" algn="tl" rotWithShape="0">
-              <a:srgbClr val="333333">
-                <a:alpha val="65000"/>
-              </a:srgbClr>
-            </a:outerShdw>
-          </a:effectLst>
-        </p:spPr>
-      </p:pic>
       <p:sp>
         <p:nvSpPr>
           <p:cNvPr id="5" name="Rectangle 4">
@@ -8930,7 +8885,7 @@
         <p:spPr>
           <a:xfrm>
             <a:off x="5836082" y="2508811"/>
-            <a:ext cx="903046" cy="1447572"/>
+            <a:ext cx="1940672" cy="1447572"/>
           </a:xfrm>
           <a:prstGeom prst="rect">
             <a:avLst/>
@@ -8940,7 +8895,7 @@
             <a:solidFill>
               <a:schemeClr val="accent2"/>
             </a:solidFill>
-            <a:prstDash val="dash"/>
+            <a:prstDash val="solid"/>
           </a:ln>
         </p:spPr>
         <p:style>
@@ -8968,88 +8923,198 @@
           </a:p>
         </p:txBody>
       </p:sp>
-      <p:sp>
-        <p:nvSpPr>
-          <p:cNvPr id="25" name="Rectangle 24">
-            <a:extLst>
-              <a:ext uri="{FF2B5EF4-FFF2-40B4-BE49-F238E27FC236}">
-                <a16:creationId xmlns:a16="http://schemas.microsoft.com/office/drawing/2014/main" id="{BBF30EFC-D786-4D89-BD83-577494B5D0FD}"/>
-              </a:ext>
-            </a:extLst>
-          </p:cNvPr>
-          <p:cNvSpPr/>
+      <p:grpSp>
+        <p:nvGrpSpPr>
+          <p:cNvPr id="17" name="Groupe 16">
+            <a:extLst>
+              <a:ext uri="{FF2B5EF4-FFF2-40B4-BE49-F238E27FC236}">
+                <a16:creationId xmlns:a16="http://schemas.microsoft.com/office/drawing/2014/main" id="{9FEEA10F-2A93-46A8-BCC9-239CA055F32E}"/>
+              </a:ext>
+            </a:extLst>
+          </p:cNvPr>
+          <p:cNvGrpSpPr/>
           <p:nvPr/>
-        </p:nvSpPr>
-        <p:spPr>
-          <a:xfrm>
-            <a:off x="1575892" y="2179412"/>
+        </p:nvGrpSpPr>
+        <p:grpSpPr>
+          <a:xfrm>
+            <a:off x="2188266" y="2168401"/>
             <a:ext cx="3032683" cy="2125494"/>
-          </a:xfrm>
-          <a:prstGeom prst="rect">
+            <a:chOff x="2054863" y="2124417"/>
+            <a:chExt cx="3032683" cy="2125494"/>
+          </a:xfrm>
+        </p:grpSpPr>
+        <p:pic>
+          <p:nvPicPr>
+            <p:cNvPr id="23" name="Image 22">
+              <a:extLst>
+                <a:ext uri="{FF2B5EF4-FFF2-40B4-BE49-F238E27FC236}">
+                  <a16:creationId xmlns:a16="http://schemas.microsoft.com/office/drawing/2014/main" id="{0483ED0C-1DC8-46FD-8AD4-41BBD1450FA6}"/>
+                </a:ext>
+              </a:extLst>
+            </p:cNvPr>
+            <p:cNvPicPr>
+              <a:picLocks noChangeAspect="1"/>
+            </p:cNvPicPr>
+            <p:nvPr/>
+          </p:nvPicPr>
+          <p:blipFill rotWithShape="1">
+            <a:blip r:embed="rId2">
+              <a:extLst>
+                <a:ext uri="{28A0092B-C50C-407E-A947-70E740481C1C}">
+                  <a14:useLocalDpi xmlns:a14="http://schemas.microsoft.com/office/drawing/2010/main" val="0"/>
+                </a:ext>
+              </a:extLst>
+            </a:blip>
+            <a:srcRect l="2438" t="11707" r="64125" b="54047"/>
+            <a:stretch/>
+          </p:blipFill>
+          <p:spPr>
+            <a:xfrm>
+              <a:off x="2135279" y="2199393"/>
+              <a:ext cx="2869092" cy="1959078"/>
+            </a:xfrm>
+            <a:prstGeom prst="rect">
+              <a:avLst/>
+            </a:prstGeom>
+            <a:ln>
+              <a:noFill/>
+            </a:ln>
+            <a:effectLst>
+              <a:outerShdw blurRad="292100" dist="139700" dir="2700000" algn="tl" rotWithShape="0">
+                <a:srgbClr val="333333">
+                  <a:alpha val="65000"/>
+                </a:srgbClr>
+              </a:outerShdw>
+            </a:effectLst>
+          </p:spPr>
+        </p:pic>
+        <p:sp>
+          <p:nvSpPr>
+            <p:cNvPr id="25" name="Rectangle 24">
+              <a:extLst>
+                <a:ext uri="{FF2B5EF4-FFF2-40B4-BE49-F238E27FC236}">
+                  <a16:creationId xmlns:a16="http://schemas.microsoft.com/office/drawing/2014/main" id="{BBF30EFC-D786-4D89-BD83-577494B5D0FD}"/>
+                </a:ext>
+              </a:extLst>
+            </p:cNvPr>
+            <p:cNvSpPr/>
+            <p:nvPr/>
+          </p:nvSpPr>
+          <p:spPr>
+            <a:xfrm>
+              <a:off x="2054863" y="2124417"/>
+              <a:ext cx="3032683" cy="2125494"/>
+            </a:xfrm>
+            <a:prstGeom prst="rect">
+              <a:avLst/>
+            </a:prstGeom>
+            <a:noFill/>
+            <a:ln w="38100">
+              <a:solidFill>
+                <a:schemeClr val="accent2"/>
+              </a:solidFill>
+              <a:prstDash val="solid"/>
+            </a:ln>
+          </p:spPr>
+          <p:style>
+            <a:lnRef idx="2">
+              <a:schemeClr val="accent1">
+                <a:shade val="50000"/>
+              </a:schemeClr>
+            </a:lnRef>
+            <a:fillRef idx="1">
+              <a:schemeClr val="accent1"/>
+            </a:fillRef>
+            <a:effectRef idx="0">
+              <a:schemeClr val="accent1"/>
+            </a:effectRef>
+            <a:fontRef idx="minor">
+              <a:schemeClr val="lt1"/>
+            </a:fontRef>
+          </p:style>
+          <p:txBody>
+            <a:bodyPr rtlCol="0" anchor="ctr"/>
+            <a:lstStyle/>
+            <a:p>
+              <a:pPr algn="ctr"/>
+              <a:endParaRPr lang="es-419"/>
+            </a:p>
+          </p:txBody>
+        </p:sp>
+      </p:grpSp>
+      <p:cxnSp>
+        <p:nvCxnSpPr>
+          <p:cNvPr id="7" name="Connecteur droit avec flèche 6">
+            <a:extLst>
+              <a:ext uri="{FF2B5EF4-FFF2-40B4-BE49-F238E27FC236}">
+                <a16:creationId xmlns:a16="http://schemas.microsoft.com/office/drawing/2014/main" id="{1B7A3AA7-EABE-4EDE-82AF-D5FE44D134C5}"/>
+              </a:ext>
+            </a:extLst>
+          </p:cNvPr>
+          <p:cNvCxnSpPr>
+            <a:cxnSpLocks/>
+          </p:cNvCxnSpPr>
+          <p:nvPr/>
+        </p:nvCxnSpPr>
+        <p:spPr>
+          <a:xfrm flipH="1" flipV="1">
+            <a:off x="5218190" y="2168401"/>
+            <a:ext cx="617894" cy="340410"/>
+          </a:xfrm>
+          <a:prstGeom prst="straightConnector1">
             <a:avLst/>
           </a:prstGeom>
-          <a:noFill/>
-          <a:ln w="38100">
+          <a:ln w="9525">
             <a:solidFill>
               <a:schemeClr val="accent2"/>
             </a:solidFill>
-            <a:prstDash val="solid"/>
+            <a:headEnd type="none" w="med" len="med"/>
+            <a:tailEnd type="none" w="med" len="med"/>
           </a:ln>
         </p:spPr>
         <p:style>
-          <a:lnRef idx="2">
-            <a:schemeClr val="accent1">
-              <a:shade val="50000"/>
-            </a:schemeClr>
+          <a:lnRef idx="1">
+            <a:schemeClr val="accent1"/>
           </a:lnRef>
-          <a:fillRef idx="1">
+          <a:fillRef idx="0">
             <a:schemeClr val="accent1"/>
           </a:fillRef>
           <a:effectRef idx="0">
             <a:schemeClr val="accent1"/>
           </a:effectRef>
           <a:fontRef idx="minor">
-            <a:schemeClr val="lt1"/>
+            <a:schemeClr val="tx1"/>
           </a:fontRef>
         </p:style>
-        <p:txBody>
-          <a:bodyPr rtlCol="0" anchor="ctr"/>
-          <a:lstStyle/>
-          <a:p>
-            <a:pPr algn="ctr"/>
-            <a:endParaRPr lang="es-419"/>
-          </a:p>
-        </p:txBody>
-      </p:sp>
+      </p:cxnSp>
       <p:cxnSp>
         <p:nvCxnSpPr>
-          <p:cNvPr id="7" name="Connecteur droit avec flèche 6">
-            <a:extLst>
-              <a:ext uri="{FF2B5EF4-FFF2-40B4-BE49-F238E27FC236}">
-                <a16:creationId xmlns:a16="http://schemas.microsoft.com/office/drawing/2014/main" id="{1B7A3AA7-EABE-4EDE-82AF-D5FE44D134C5}"/>
+          <p:cNvPr id="24" name="Connecteur droit avec flèche 23">
+            <a:extLst>
+              <a:ext uri="{FF2B5EF4-FFF2-40B4-BE49-F238E27FC236}">
+                <a16:creationId xmlns:a16="http://schemas.microsoft.com/office/drawing/2014/main" id="{1270D099-6D65-4B92-8D5B-D7F0A5913FF2}"/>
               </a:ext>
             </a:extLst>
           </p:cNvPr>
           <p:cNvCxnSpPr>
             <a:cxnSpLocks/>
-            <a:stCxn id="5" idx="1"/>
-            <a:endCxn id="25" idx="3"/>
           </p:cNvCxnSpPr>
           <p:nvPr/>
         </p:nvCxnSpPr>
         <p:spPr>
           <a:xfrm flipH="1">
-            <a:off x="4608575" y="3232597"/>
-            <a:ext cx="1227507" cy="9562"/>
+            <a:off x="5218190" y="3956383"/>
+            <a:ext cx="617893" cy="336187"/>
           </a:xfrm>
           <a:prstGeom prst="straightConnector1">
             <a:avLst/>
           </a:prstGeom>
-          <a:ln w="38100">
+          <a:ln w="9525">
             <a:solidFill>
               <a:schemeClr val="accent2"/>
             </a:solidFill>
-            <a:tailEnd type="triangle"/>
+            <a:headEnd type="none" w="med" len="med"/>
+            <a:tailEnd type="none" w="med" len="med"/>
           </a:ln>
         </p:spPr>
         <p:style>
@@ -12886,7 +12951,7 @@
         </p:nvSpPr>
         <p:spPr>
           <a:xfrm>
-            <a:off x="854156" y="1676244"/>
+            <a:off x="803007" y="1676244"/>
             <a:ext cx="1000044" cy="400110"/>
           </a:xfrm>
           <a:prstGeom prst="rect">
@@ -12901,77 +12966,37 @@
           <a:lstStyle/>
           <a:p>
             <a:r>
-              <a:rPr lang="es-ES" sz="2000" b="1" strike="noStrike" dirty="0">
-                <a:solidFill>
-                  <a:srgbClr val="84AF72"/>
-                </a:solidFill>
-                <a:effectLst/>
+              <a:rPr lang="es-ES" sz="2000" strike="noStrike" dirty="0">
+                <a:solidFill>
+                  <a:srgbClr val="7451EB"/>
+                </a:solidFill>
+                <a:effectLst>
+                  <a:outerShdw blurRad="38100" dist="38100" dir="2700000" algn="tl">
+                    <a:srgbClr val="000000">
+                      <a:alpha val="43137"/>
+                    </a:srgbClr>
+                  </a:outerShdw>
+                </a:effectLst>
                 <a:latin typeface="docs-Roboto"/>
               </a:rPr>
               <a:t>China</a:t>
             </a:r>
-            <a:endParaRPr lang="fr-FR" sz="2000" b="1" strike="noStrike" dirty="0">
+            <a:endParaRPr lang="fr-FR" sz="2000" strike="noStrike" dirty="0">
               <a:solidFill>
-                <a:srgbClr val="84AF72"/>
+                <a:srgbClr val="7451EB"/>
               </a:solidFill>
-              <a:effectLst/>
+              <a:effectLst>
+                <a:outerShdw blurRad="38100" dist="38100" dir="2700000" algn="tl">
+                  <a:srgbClr val="000000">
+                    <a:alpha val="43137"/>
+                  </a:srgbClr>
+                </a:outerShdw>
+              </a:effectLst>
               <a:latin typeface="docs-Roboto"/>
             </a:endParaRPr>
           </a:p>
         </p:txBody>
       </p:sp>
-      <p:pic>
-        <p:nvPicPr>
-          <p:cNvPr id="12" name="Image 11">
-            <a:extLst>
-              <a:ext uri="{FF2B5EF4-FFF2-40B4-BE49-F238E27FC236}">
-                <a16:creationId xmlns:a16="http://schemas.microsoft.com/office/drawing/2014/main" id="{C526AB3A-564B-4ED9-BD12-CCA7D6DF9C62}"/>
-              </a:ext>
-            </a:extLst>
-          </p:cNvPr>
-          <p:cNvPicPr>
-            <a:picLocks noChangeAspect="1"/>
-          </p:cNvPicPr>
-          <p:nvPr/>
-        </p:nvPicPr>
-        <p:blipFill>
-          <a:blip r:embed="rId3">
-            <a:duotone>
-              <a:prstClr val="black"/>
-              <a:schemeClr val="accent6">
-                <a:tint val="45000"/>
-                <a:satMod val="400000"/>
-              </a:schemeClr>
-            </a:duotone>
-            <a:extLst>
-              <a:ext uri="{BEBA8EAE-BF5A-486C-A8C5-ECC9F3942E4B}">
-                <a14:imgProps xmlns:a14="http://schemas.microsoft.com/office/drawing/2010/main">
-                  <a14:imgLayer r:embed="rId4">
-                    <a14:imgEffect>
-                      <a14:brightnessContrast bright="-20000" contrast="-40000"/>
-                    </a14:imgEffect>
-                  </a14:imgLayer>
-                </a14:imgProps>
-              </a:ext>
-              <a:ext uri="{28A0092B-C50C-407E-A947-70E740481C1C}">
-                <a14:useLocalDpi xmlns:a14="http://schemas.microsoft.com/office/drawing/2010/main" val="0"/>
-              </a:ext>
-            </a:extLst>
-          </a:blip>
-          <a:stretch>
-            <a:fillRect/>
-          </a:stretch>
-        </p:blipFill>
-        <p:spPr>
-          <a:xfrm>
-            <a:off x="377906" y="1678299"/>
-            <a:ext cx="396000" cy="396000"/>
-          </a:xfrm>
-          <a:prstGeom prst="rect">
-            <a:avLst/>
-          </a:prstGeom>
-        </p:spPr>
-      </p:pic>
       <p:sp>
         <p:nvSpPr>
           <p:cNvPr id="13" name="ZoneTexte 12">
@@ -12986,7 +13011,7 @@
         </p:nvSpPr>
         <p:spPr>
           <a:xfrm>
-            <a:off x="854156" y="2193199"/>
+            <a:off x="803007" y="2193199"/>
             <a:ext cx="1000044" cy="400110"/>
           </a:xfrm>
           <a:prstGeom prst="rect">
@@ -13001,77 +13026,37 @@
           <a:lstStyle/>
           <a:p>
             <a:r>
-              <a:rPr lang="es-ES" sz="2000" b="1" strike="noStrike" dirty="0">
-                <a:solidFill>
-                  <a:srgbClr val="84AF72"/>
-                </a:solidFill>
-                <a:effectLst/>
+              <a:rPr lang="es-ES" sz="2000" strike="noStrike" dirty="0">
+                <a:solidFill>
+                  <a:srgbClr val="7451EB"/>
+                </a:solidFill>
+                <a:effectLst>
+                  <a:outerShdw blurRad="38100" dist="38100" dir="2700000" algn="tl">
+                    <a:srgbClr val="000000">
+                      <a:alpha val="43137"/>
+                    </a:srgbClr>
+                  </a:outerShdw>
+                </a:effectLst>
                 <a:latin typeface="docs-Roboto"/>
               </a:rPr>
               <a:t>India</a:t>
             </a:r>
-            <a:endParaRPr lang="fr-FR" sz="2000" b="1" strike="noStrike" dirty="0">
+            <a:endParaRPr lang="fr-FR" sz="2000" strike="noStrike" dirty="0">
               <a:solidFill>
-                <a:srgbClr val="84AF72"/>
+                <a:srgbClr val="7451EB"/>
               </a:solidFill>
-              <a:effectLst/>
+              <a:effectLst>
+                <a:outerShdw blurRad="38100" dist="38100" dir="2700000" algn="tl">
+                  <a:srgbClr val="000000">
+                    <a:alpha val="43137"/>
+                  </a:srgbClr>
+                </a:outerShdw>
+              </a:effectLst>
               <a:latin typeface="docs-Roboto"/>
             </a:endParaRPr>
           </a:p>
         </p:txBody>
       </p:sp>
-      <p:pic>
-        <p:nvPicPr>
-          <p:cNvPr id="14" name="Image 13">
-            <a:extLst>
-              <a:ext uri="{FF2B5EF4-FFF2-40B4-BE49-F238E27FC236}">
-                <a16:creationId xmlns:a16="http://schemas.microsoft.com/office/drawing/2014/main" id="{06B0D140-E0E6-416C-8A58-0C6D3B103956}"/>
-              </a:ext>
-            </a:extLst>
-          </p:cNvPr>
-          <p:cNvPicPr>
-            <a:picLocks noChangeAspect="1"/>
-          </p:cNvPicPr>
-          <p:nvPr/>
-        </p:nvPicPr>
-        <p:blipFill>
-          <a:blip r:embed="rId3">
-            <a:duotone>
-              <a:prstClr val="black"/>
-              <a:schemeClr val="accent6">
-                <a:tint val="45000"/>
-                <a:satMod val="400000"/>
-              </a:schemeClr>
-            </a:duotone>
-            <a:extLst>
-              <a:ext uri="{BEBA8EAE-BF5A-486C-A8C5-ECC9F3942E4B}">
-                <a14:imgProps xmlns:a14="http://schemas.microsoft.com/office/drawing/2010/main">
-                  <a14:imgLayer r:embed="rId4">
-                    <a14:imgEffect>
-                      <a14:brightnessContrast bright="-20000" contrast="-40000"/>
-                    </a14:imgEffect>
-                  </a14:imgLayer>
-                </a14:imgProps>
-              </a:ext>
-              <a:ext uri="{28A0092B-C50C-407E-A947-70E740481C1C}">
-                <a14:useLocalDpi xmlns:a14="http://schemas.microsoft.com/office/drawing/2010/main" val="0"/>
-              </a:ext>
-            </a:extLst>
-          </a:blip>
-          <a:stretch>
-            <a:fillRect/>
-          </a:stretch>
-        </p:blipFill>
-        <p:spPr>
-          <a:xfrm>
-            <a:off x="377906" y="2195254"/>
-            <a:ext cx="396000" cy="396000"/>
-          </a:xfrm>
-          <a:prstGeom prst="rect">
-            <a:avLst/>
-          </a:prstGeom>
-        </p:spPr>
-      </p:pic>
       <p:sp>
         <p:nvSpPr>
           <p:cNvPr id="15" name="ZoneTexte 14">
@@ -13086,7 +13071,7 @@
         </p:nvSpPr>
         <p:spPr>
           <a:xfrm>
-            <a:off x="854156" y="2710154"/>
+            <a:off x="803007" y="2710154"/>
             <a:ext cx="1698544" cy="400110"/>
           </a:xfrm>
           <a:prstGeom prst="rect">
@@ -13101,97 +13086,69 @@
           <a:lstStyle/>
           <a:p>
             <a:r>
-              <a:rPr lang="es-ES" sz="2000" b="1" strike="noStrike" dirty="0" err="1">
-                <a:solidFill>
-                  <a:srgbClr val="84AF72"/>
-                </a:solidFill>
-                <a:effectLst/>
+              <a:rPr lang="es-ES" sz="2000" strike="noStrike" dirty="0" err="1">
+                <a:solidFill>
+                  <a:srgbClr val="7451EB"/>
+                </a:solidFill>
+                <a:effectLst>
+                  <a:outerShdw blurRad="38100" dist="38100" dir="2700000" algn="tl">
+                    <a:srgbClr val="000000">
+                      <a:alpha val="43137"/>
+                    </a:srgbClr>
+                  </a:outerShdw>
+                </a:effectLst>
                 <a:latin typeface="docs-Roboto"/>
               </a:rPr>
               <a:t>United</a:t>
             </a:r>
             <a:r>
-              <a:rPr lang="es-ES" sz="2000" b="1" strike="noStrike" dirty="0">
-                <a:solidFill>
-                  <a:srgbClr val="84AF72"/>
-                </a:solidFill>
-                <a:effectLst/>
+              <a:rPr lang="es-ES" sz="2000" strike="noStrike" dirty="0">
+                <a:solidFill>
+                  <a:srgbClr val="7451EB"/>
+                </a:solidFill>
+                <a:effectLst>
+                  <a:outerShdw blurRad="38100" dist="38100" dir="2700000" algn="tl">
+                    <a:srgbClr val="000000">
+                      <a:alpha val="43137"/>
+                    </a:srgbClr>
+                  </a:outerShdw>
+                </a:effectLst>
                 <a:latin typeface="docs-Roboto"/>
               </a:rPr>
               <a:t> </a:t>
             </a:r>
             <a:r>
-              <a:rPr lang="es-ES" sz="2000" b="1" strike="noStrike" dirty="0" err="1">
-                <a:solidFill>
-                  <a:srgbClr val="84AF72"/>
-                </a:solidFill>
-                <a:effectLst/>
+              <a:rPr lang="es-ES" sz="2000" strike="noStrike" dirty="0" err="1">
+                <a:solidFill>
+                  <a:srgbClr val="7451EB"/>
+                </a:solidFill>
+                <a:effectLst>
+                  <a:outerShdw blurRad="38100" dist="38100" dir="2700000" algn="tl">
+                    <a:srgbClr val="000000">
+                      <a:alpha val="43137"/>
+                    </a:srgbClr>
+                  </a:outerShdw>
+                </a:effectLst>
                 <a:latin typeface="docs-Roboto"/>
               </a:rPr>
               <a:t>States</a:t>
             </a:r>
-            <a:endParaRPr lang="fr-FR" sz="2000" b="1" strike="noStrike" dirty="0">
+            <a:endParaRPr lang="fr-FR" sz="2000" strike="noStrike" dirty="0">
               <a:solidFill>
-                <a:srgbClr val="84AF72"/>
+                <a:srgbClr val="7451EB"/>
               </a:solidFill>
-              <a:effectLst/>
+              <a:effectLst>
+                <a:outerShdw blurRad="38100" dist="38100" dir="2700000" algn="tl">
+                  <a:srgbClr val="000000">
+                    <a:alpha val="43137"/>
+                  </a:srgbClr>
+                </a:outerShdw>
+              </a:effectLst>
               <a:latin typeface="docs-Roboto"/>
             </a:endParaRPr>
           </a:p>
         </p:txBody>
       </p:sp>
-      <p:pic>
-        <p:nvPicPr>
-          <p:cNvPr id="16" name="Image 15">
-            <a:extLst>
-              <a:ext uri="{FF2B5EF4-FFF2-40B4-BE49-F238E27FC236}">
-                <a16:creationId xmlns:a16="http://schemas.microsoft.com/office/drawing/2014/main" id="{6747B8B0-ECBF-4D7E-84CA-121D1BA3E857}"/>
-              </a:ext>
-            </a:extLst>
-          </p:cNvPr>
-          <p:cNvPicPr>
-            <a:picLocks noChangeAspect="1"/>
-          </p:cNvPicPr>
-          <p:nvPr/>
-        </p:nvPicPr>
-        <p:blipFill>
-          <a:blip r:embed="rId3">
-            <a:duotone>
-              <a:prstClr val="black"/>
-              <a:schemeClr val="accent6">
-                <a:tint val="45000"/>
-                <a:satMod val="400000"/>
-              </a:schemeClr>
-            </a:duotone>
-            <a:extLst>
-              <a:ext uri="{BEBA8EAE-BF5A-486C-A8C5-ECC9F3942E4B}">
-                <a14:imgProps xmlns:a14="http://schemas.microsoft.com/office/drawing/2010/main">
-                  <a14:imgLayer r:embed="rId4">
-                    <a14:imgEffect>
-                      <a14:brightnessContrast bright="-20000" contrast="-40000"/>
-                    </a14:imgEffect>
-                  </a14:imgLayer>
-                </a14:imgProps>
-              </a:ext>
-              <a:ext uri="{28A0092B-C50C-407E-A947-70E740481C1C}">
-                <a14:useLocalDpi xmlns:a14="http://schemas.microsoft.com/office/drawing/2010/main" val="0"/>
-              </a:ext>
-            </a:extLst>
-          </a:blip>
-          <a:stretch>
-            <a:fillRect/>
-          </a:stretch>
-        </p:blipFill>
-        <p:spPr>
-          <a:xfrm>
-            <a:off x="377906" y="2712209"/>
-            <a:ext cx="396000" cy="396000"/>
-          </a:xfrm>
-          <a:prstGeom prst="rect">
-            <a:avLst/>
-          </a:prstGeom>
-        </p:spPr>
-      </p:pic>
       <p:sp>
         <p:nvSpPr>
           <p:cNvPr id="17" name="Rectangle 16">
@@ -13262,7 +13219,7 @@
         </p:nvCxnSpPr>
         <p:spPr>
           <a:xfrm flipH="1" flipV="1">
-            <a:off x="1325876" y="3270364"/>
+            <a:off x="1375825" y="3270364"/>
             <a:ext cx="1658628" cy="2261610"/>
           </a:xfrm>
           <a:prstGeom prst="straightConnector1">
@@ -13304,7 +13261,7 @@
         </p:nvSpPr>
         <p:spPr>
           <a:xfrm>
-            <a:off x="187086" y="1528507"/>
+            <a:off x="237035" y="1528507"/>
             <a:ext cx="2277579" cy="1741857"/>
           </a:xfrm>
           <a:prstGeom prst="rect">
@@ -13343,6 +13300,114 @@
           </a:p>
         </p:txBody>
       </p:sp>
+      <p:pic>
+        <p:nvPicPr>
+          <p:cNvPr id="19" name="Image 18">
+            <a:extLst>
+              <a:ext uri="{FF2B5EF4-FFF2-40B4-BE49-F238E27FC236}">
+                <a16:creationId xmlns:a16="http://schemas.microsoft.com/office/drawing/2014/main" id="{3D63A288-C5BB-4D05-BA9D-5AA145923704}"/>
+              </a:ext>
+            </a:extLst>
+          </p:cNvPr>
+          <p:cNvPicPr>
+            <a:picLocks noChangeAspect="1"/>
+          </p:cNvPicPr>
+          <p:nvPr/>
+        </p:nvPicPr>
+        <p:blipFill>
+          <a:blip r:embed="rId3">
+            <a:extLst>
+              <a:ext uri="{28A0092B-C50C-407E-A947-70E740481C1C}">
+                <a14:useLocalDpi xmlns:a14="http://schemas.microsoft.com/office/drawing/2010/main" val="0"/>
+              </a:ext>
+            </a:extLst>
+          </a:blip>
+          <a:stretch>
+            <a:fillRect/>
+          </a:stretch>
+        </p:blipFill>
+        <p:spPr>
+          <a:xfrm>
+            <a:off x="401299" y="1696299"/>
+            <a:ext cx="360000" cy="360000"/>
+          </a:xfrm>
+          <a:prstGeom prst="rect">
+            <a:avLst/>
+          </a:prstGeom>
+        </p:spPr>
+      </p:pic>
+      <p:pic>
+        <p:nvPicPr>
+          <p:cNvPr id="20" name="Image 19">
+            <a:extLst>
+              <a:ext uri="{FF2B5EF4-FFF2-40B4-BE49-F238E27FC236}">
+                <a16:creationId xmlns:a16="http://schemas.microsoft.com/office/drawing/2014/main" id="{BD9BEB0B-0766-4685-9921-67BF46353D8F}"/>
+              </a:ext>
+            </a:extLst>
+          </p:cNvPr>
+          <p:cNvPicPr>
+            <a:picLocks noChangeAspect="1"/>
+          </p:cNvPicPr>
+          <p:nvPr/>
+        </p:nvPicPr>
+        <p:blipFill>
+          <a:blip r:embed="rId3">
+            <a:extLst>
+              <a:ext uri="{28A0092B-C50C-407E-A947-70E740481C1C}">
+                <a14:useLocalDpi xmlns:a14="http://schemas.microsoft.com/office/drawing/2010/main" val="0"/>
+              </a:ext>
+            </a:extLst>
+          </a:blip>
+          <a:stretch>
+            <a:fillRect/>
+          </a:stretch>
+        </p:blipFill>
+        <p:spPr>
+          <a:xfrm>
+            <a:off x="401299" y="2225584"/>
+            <a:ext cx="360000" cy="360000"/>
+          </a:xfrm>
+          <a:prstGeom prst="rect">
+            <a:avLst/>
+          </a:prstGeom>
+        </p:spPr>
+      </p:pic>
+      <p:pic>
+        <p:nvPicPr>
+          <p:cNvPr id="22" name="Image 21">
+            <a:extLst>
+              <a:ext uri="{FF2B5EF4-FFF2-40B4-BE49-F238E27FC236}">
+                <a16:creationId xmlns:a16="http://schemas.microsoft.com/office/drawing/2014/main" id="{A1B97217-3640-4FE6-9FC2-BFC4120E64E6}"/>
+              </a:ext>
+            </a:extLst>
+          </p:cNvPr>
+          <p:cNvPicPr>
+            <a:picLocks noChangeAspect="1"/>
+          </p:cNvPicPr>
+          <p:nvPr/>
+        </p:nvPicPr>
+        <p:blipFill>
+          <a:blip r:embed="rId3">
+            <a:extLst>
+              <a:ext uri="{28A0092B-C50C-407E-A947-70E740481C1C}">
+                <a14:useLocalDpi xmlns:a14="http://schemas.microsoft.com/office/drawing/2010/main" val="0"/>
+              </a:ext>
+            </a:extLst>
+          </a:blip>
+          <a:stretch>
+            <a:fillRect/>
+          </a:stretch>
+        </p:blipFill>
+        <p:spPr>
+          <a:xfrm>
+            <a:off x="400802" y="2730209"/>
+            <a:ext cx="360000" cy="360000"/>
+          </a:xfrm>
+          <a:prstGeom prst="rect">
+            <a:avLst/>
+          </a:prstGeom>
+        </p:spPr>
+      </p:pic>
     </p:spTree>
     <p:extLst>
       <p:ext uri="{BB962C8B-B14F-4D97-AF65-F5344CB8AC3E}">

--- a/supports/Project 2 presentation.pptx
+++ b/supports/Project 2 presentation.pptx
@@ -223,7 +223,7 @@
           <a:p>
             <a:fld id="{081908C2-F1FA-4AA1-810C-31F86594FA86}" type="datetimeFigureOut">
               <a:rPr lang="en-US" smtClean="0"/>
-              <a:t>4/28/2021</a:t>
+              <a:t>4/29/2021</a:t>
             </a:fld>
             <a:endParaRPr lang="en-US"/>
           </a:p>
@@ -388,7 +388,7 @@
           <a:p>
             <a:fld id="{56E8D31E-EEDD-42CA-A79A-B9539977145E}" type="datetimeFigureOut">
               <a:rPr lang="en-US" smtClean="0"/>
-              <a:t>4/28/2021</a:t>
+              <a:t>4/29/2021</a:t>
             </a:fld>
             <a:endParaRPr lang="en-US"/>
           </a:p>
@@ -802,7 +802,7 @@
           <a:p>
             <a:fld id="{E1DCD729-31D5-4480-98D7-69012EF3B7DD}" type="datetimeFigureOut">
               <a:rPr lang="en-US" smtClean="0"/>
-              <a:t>4/28/2021</a:t>
+              <a:t>4/29/2021</a:t>
             </a:fld>
             <a:endParaRPr lang="en-US"/>
           </a:p>
@@ -1000,7 +1000,7 @@
           <a:p>
             <a:fld id="{E1DCD729-31D5-4480-98D7-69012EF3B7DD}" type="datetimeFigureOut">
               <a:rPr lang="en-US" smtClean="0"/>
-              <a:t>4/28/2021</a:t>
+              <a:t>4/29/2021</a:t>
             </a:fld>
             <a:endParaRPr lang="en-US"/>
           </a:p>
@@ -1208,7 +1208,7 @@
           <a:p>
             <a:fld id="{E1DCD729-31D5-4480-98D7-69012EF3B7DD}" type="datetimeFigureOut">
               <a:rPr lang="en-US" smtClean="0"/>
-              <a:t>4/28/2021</a:t>
+              <a:t>4/29/2021</a:t>
             </a:fld>
             <a:endParaRPr lang="en-US"/>
           </a:p>
@@ -1406,7 +1406,7 @@
           <a:p>
             <a:fld id="{E1DCD729-31D5-4480-98D7-69012EF3B7DD}" type="datetimeFigureOut">
               <a:rPr lang="en-US" smtClean="0"/>
-              <a:t>4/28/2021</a:t>
+              <a:t>4/29/2021</a:t>
             </a:fld>
             <a:endParaRPr lang="en-US"/>
           </a:p>
@@ -1681,7 +1681,7 @@
           <a:p>
             <a:fld id="{E1DCD729-31D5-4480-98D7-69012EF3B7DD}" type="datetimeFigureOut">
               <a:rPr lang="en-US" smtClean="0"/>
-              <a:t>4/28/2021</a:t>
+              <a:t>4/29/2021</a:t>
             </a:fld>
             <a:endParaRPr lang="en-US"/>
           </a:p>
@@ -1946,7 +1946,7 @@
           <a:p>
             <a:fld id="{E1DCD729-31D5-4480-98D7-69012EF3B7DD}" type="datetimeFigureOut">
               <a:rPr lang="en-US" smtClean="0"/>
-              <a:t>4/28/2021</a:t>
+              <a:t>4/29/2021</a:t>
             </a:fld>
             <a:endParaRPr lang="en-US"/>
           </a:p>
@@ -2358,7 +2358,7 @@
           <a:p>
             <a:fld id="{E1DCD729-31D5-4480-98D7-69012EF3B7DD}" type="datetimeFigureOut">
               <a:rPr lang="en-US" smtClean="0"/>
-              <a:t>4/28/2021</a:t>
+              <a:t>4/29/2021</a:t>
             </a:fld>
             <a:endParaRPr lang="en-US"/>
           </a:p>
@@ -2499,7 +2499,7 @@
           <a:p>
             <a:fld id="{E1DCD729-31D5-4480-98D7-69012EF3B7DD}" type="datetimeFigureOut">
               <a:rPr lang="en-US" smtClean="0"/>
-              <a:t>4/28/2021</a:t>
+              <a:t>4/29/2021</a:t>
             </a:fld>
             <a:endParaRPr lang="en-US"/>
           </a:p>
@@ -2612,7 +2612,7 @@
           <a:p>
             <a:fld id="{E1DCD729-31D5-4480-98D7-69012EF3B7DD}" type="datetimeFigureOut">
               <a:rPr lang="en-US" smtClean="0"/>
-              <a:t>4/28/2021</a:t>
+              <a:t>4/29/2021</a:t>
             </a:fld>
             <a:endParaRPr lang="en-US"/>
           </a:p>
@@ -2923,7 +2923,7 @@
           <a:p>
             <a:fld id="{E1DCD729-31D5-4480-98D7-69012EF3B7DD}" type="datetimeFigureOut">
               <a:rPr lang="en-US" smtClean="0"/>
-              <a:t>4/28/2021</a:t>
+              <a:t>4/29/2021</a:t>
             </a:fld>
             <a:endParaRPr lang="en-US"/>
           </a:p>
@@ -3211,7 +3211,7 @@
           <a:p>
             <a:fld id="{E1DCD729-31D5-4480-98D7-69012EF3B7DD}" type="datetimeFigureOut">
               <a:rPr lang="en-US" smtClean="0"/>
-              <a:t>4/28/2021</a:t>
+              <a:t>4/29/2021</a:t>
             </a:fld>
             <a:endParaRPr lang="en-US"/>
           </a:p>
@@ -3461,7 +3461,7 @@
           <a:p>
             <a:fld id="{E1DCD729-31D5-4480-98D7-69012EF3B7DD}" type="datetimeFigureOut">
               <a:rPr lang="en-US" smtClean="0"/>
-              <a:t>4/28/2021</a:t>
+              <a:t>4/29/2021</a:t>
             </a:fld>
             <a:endParaRPr lang="en-US"/>
           </a:p>
@@ -6833,7 +6833,7 @@
           <p:nvPr>
             <p:extLst>
               <p:ext uri="{D42A27DB-BD31-4B8C-83A1-F6EECF244321}">
-                <p14:modId xmlns:p14="http://schemas.microsoft.com/office/powerpoint/2010/main" val="1719509765"/>
+                <p14:modId xmlns:p14="http://schemas.microsoft.com/office/powerpoint/2010/main" val="3534450764"/>
               </p:ext>
             </p:extLst>
           </p:nvPr>
@@ -6941,7 +6941,7 @@
                   </a:txBody>
                   <a:tcPr anchor="ctr">
                     <a:solidFill>
-                      <a:srgbClr val="F4B183"/>
+                      <a:schemeClr val="accent1"/>
                     </a:solidFill>
                   </a:tcPr>
                 </a:tc>
@@ -8734,7 +8734,7 @@
         </p:blipFill>
         <p:spPr>
           <a:xfrm>
-            <a:off x="5919257" y="2254388"/>
+            <a:off x="5919257" y="2216761"/>
             <a:ext cx="5450254" cy="3633522"/>
           </a:xfrm>
           <a:prstGeom prst="rect">
@@ -8884,7 +8884,7 @@
         </p:nvSpPr>
         <p:spPr>
           <a:xfrm>
-            <a:off x="5836082" y="2508811"/>
+            <a:off x="5836082" y="2471184"/>
             <a:ext cx="1940672" cy="1447572"/>
           </a:xfrm>
           <a:prstGeom prst="rect">
@@ -8937,7 +8937,7 @@
         </p:nvGrpSpPr>
         <p:grpSpPr>
           <a:xfrm>
-            <a:off x="2188266" y="2168401"/>
+            <a:off x="2188266" y="2130774"/>
             <a:ext cx="3032683" cy="2125494"/>
             <a:chOff x="2054863" y="2124417"/>
             <a:chExt cx="3032683" cy="2125494"/>
@@ -9058,7 +9058,7 @@
         </p:nvCxnSpPr>
         <p:spPr>
           <a:xfrm flipH="1" flipV="1">
-            <a:off x="5218190" y="2168401"/>
+            <a:off x="5218190" y="2130774"/>
             <a:ext cx="617894" cy="340410"/>
           </a:xfrm>
           <a:prstGeom prst="straightConnector1">
@@ -9103,7 +9103,7 @@
         </p:nvCxnSpPr>
         <p:spPr>
           <a:xfrm flipH="1">
-            <a:off x="5218190" y="3956383"/>
+            <a:off x="5218190" y="3918756"/>
             <a:ext cx="617893" cy="336187"/>
           </a:xfrm>
           <a:prstGeom prst="straightConnector1">
@@ -9132,6 +9132,126 @@
           </a:fontRef>
         </p:style>
       </p:cxnSp>
+      <p:sp>
+        <p:nvSpPr>
+          <p:cNvPr id="19" name="Rectangle 18">
+            <a:extLst>
+              <a:ext uri="{FF2B5EF4-FFF2-40B4-BE49-F238E27FC236}">
+                <a16:creationId xmlns:a16="http://schemas.microsoft.com/office/drawing/2014/main" id="{2CA7BD68-0BFB-4E54-846B-CF819DFF26A8}"/>
+              </a:ext>
+            </a:extLst>
+          </p:cNvPr>
+          <p:cNvSpPr/>
+          <p:nvPr/>
+        </p:nvSpPr>
+        <p:spPr>
+          <a:xfrm>
+            <a:off x="0" y="4778938"/>
+            <a:ext cx="5738949" cy="743403"/>
+          </a:xfrm>
+          <a:prstGeom prst="rect">
+            <a:avLst/>
+          </a:prstGeom>
+          <a:solidFill>
+            <a:srgbClr val="70AD47"/>
+          </a:solidFill>
+          <a:ln>
+            <a:solidFill>
+              <a:srgbClr val="70AD47"/>
+            </a:solidFill>
+          </a:ln>
+        </p:spPr>
+        <p:style>
+          <a:lnRef idx="2">
+            <a:schemeClr val="accent1">
+              <a:shade val="50000"/>
+            </a:schemeClr>
+          </a:lnRef>
+          <a:fillRef idx="1">
+            <a:schemeClr val="accent1"/>
+          </a:fillRef>
+          <a:effectRef idx="0">
+            <a:schemeClr val="accent1"/>
+          </a:effectRef>
+          <a:fontRef idx="minor">
+            <a:schemeClr val="lt1"/>
+          </a:fontRef>
+        </p:style>
+        <p:txBody>
+          <a:bodyPr rtlCol="0" anchor="ctr"/>
+          <a:lstStyle/>
+          <a:p>
+            <a:pPr algn="ctr"/>
+            <a:endParaRPr lang="en-US" dirty="0">
+              <a:ln>
+                <a:solidFill>
+                  <a:srgbClr val="70AD47"/>
+                </a:solidFill>
+              </a:ln>
+              <a:solidFill>
+                <a:srgbClr val="70AD47"/>
+              </a:solidFill>
+            </a:endParaRPr>
+          </a:p>
+        </p:txBody>
+      </p:sp>
+      <p:sp>
+        <p:nvSpPr>
+          <p:cNvPr id="20" name="ZoneTexte 19">
+            <a:extLst>
+              <a:ext uri="{FF2B5EF4-FFF2-40B4-BE49-F238E27FC236}">
+                <a16:creationId xmlns:a16="http://schemas.microsoft.com/office/drawing/2014/main" id="{DEA7FBB3-DE49-43AA-9FCB-FC56A666629D}"/>
+              </a:ext>
+            </a:extLst>
+          </p:cNvPr>
+          <p:cNvSpPr txBox="1"/>
+          <p:nvPr/>
+        </p:nvSpPr>
+        <p:spPr>
+          <a:xfrm>
+            <a:off x="0" y="4823135"/>
+            <a:ext cx="5738949" cy="646331"/>
+          </a:xfrm>
+          <a:prstGeom prst="rect">
+            <a:avLst/>
+          </a:prstGeom>
+          <a:noFill/>
+        </p:spPr>
+        <p:txBody>
+          <a:bodyPr wrap="square">
+            <a:spAutoFit/>
+          </a:bodyPr>
+          <a:lstStyle/>
+          <a:p>
+            <a:r>
+              <a:rPr lang="fr-FR" i="1" u="none" strike="noStrike" dirty="0">
+                <a:ln>
+                  <a:solidFill>
+                    <a:schemeClr val="bg1"/>
+                  </a:solidFill>
+                </a:ln>
+                <a:solidFill>
+                  <a:schemeClr val="bg1"/>
+                </a:solidFill>
+                <a:effectLst/>
+                <a:latin typeface="docs-Roboto"/>
+              </a:rPr>
+              <a:t>Quels sont les pays avec un fort potentiel de clients pour nos services ?</a:t>
+            </a:r>
+            <a:endParaRPr lang="fr-FR" i="1" dirty="0">
+              <a:ln>
+                <a:solidFill>
+                  <a:schemeClr val="bg1"/>
+                </a:solidFill>
+              </a:ln>
+              <a:solidFill>
+                <a:schemeClr val="bg1"/>
+              </a:solidFill>
+              <a:latin typeface="Google Sans"/>
+            </a:endParaRPr>
+          </a:p>
+        </p:txBody>
+      </p:sp>
     </p:spTree>
     <p:extLst>
       <p:ext uri="{BB962C8B-B14F-4D97-AF65-F5344CB8AC3E}">
@@ -9221,23 +9341,9 @@
                 </a:solidFill>
                 <a:latin typeface="Google Sans"/>
               </a:rPr>
-              <a:t>Évolution de la pénétration d'Internet </a:t>
-            </a:r>
-            <a:r>
-              <a:rPr lang="fr-FR" sz="2800" i="1" dirty="0">
-                <a:ln>
-                  <a:solidFill>
-                    <a:srgbClr val="7451EB"/>
-                  </a:solidFill>
-                </a:ln>
-                <a:solidFill>
-                  <a:srgbClr val="7451EB"/>
-                </a:solidFill>
-                <a:latin typeface="Google Sans"/>
-              </a:rPr>
-              <a:t>(20 premiers pays)</a:t>
-            </a:r>
-            <a:endParaRPr lang="es-419" sz="4000" i="1" u="sng" dirty="0">
+              <a:t>Évolution de les 20 premiers pays</a:t>
+            </a:r>
+            <a:endParaRPr lang="es-419" sz="4000" b="1" dirty="0">
               <a:ln>
                 <a:solidFill>
                   <a:srgbClr val="7451EB"/>
@@ -9246,13 +9352,7 @@
               <a:solidFill>
                 <a:srgbClr val="7451EB"/>
               </a:solidFill>
-              <a:effectLst>
-                <a:outerShdw blurRad="38100" dist="38100" dir="2700000" algn="tl">
-                  <a:srgbClr val="000000">
-                    <a:alpha val="43137"/>
-                  </a:srgbClr>
-                </a:outerShdw>
-              </a:effectLst>
+              <a:latin typeface="Google Sans"/>
             </a:endParaRPr>
           </a:p>
         </p:txBody>
@@ -9528,7 +9628,7 @@
         </p:blipFill>
         <p:spPr>
           <a:xfrm>
-            <a:off x="249640" y="1227442"/>
+            <a:off x="6154299" y="1790389"/>
             <a:ext cx="5846360" cy="4089753"/>
           </a:xfrm>
           <a:prstGeom prst="rect">
@@ -9573,14 +9673,144 @@
         </p:blipFill>
         <p:spPr>
           <a:xfrm>
-            <a:off x="6231340" y="2137440"/>
-            <a:ext cx="5846360" cy="4104398"/>
+            <a:off x="279916" y="1204426"/>
+            <a:ext cx="5694379" cy="3997701"/>
           </a:xfrm>
           <a:prstGeom prst="rect">
             <a:avLst/>
           </a:prstGeom>
+          <a:ln>
+            <a:noFill/>
+          </a:ln>
+          <a:effectLst>
+            <a:outerShdw blurRad="292100" dist="139700" dir="2700000" algn="tl" rotWithShape="0">
+              <a:srgbClr val="333333">
+                <a:alpha val="65000"/>
+              </a:srgbClr>
+            </a:outerShdw>
+          </a:effectLst>
         </p:spPr>
       </p:pic>
+      <p:sp>
+        <p:nvSpPr>
+          <p:cNvPr id="13" name="Rectangle 12">
+            <a:extLst>
+              <a:ext uri="{FF2B5EF4-FFF2-40B4-BE49-F238E27FC236}">
+                <a16:creationId xmlns:a16="http://schemas.microsoft.com/office/drawing/2014/main" id="{66FEE7FC-BD78-452E-8013-E07E8509B44D}"/>
+              </a:ext>
+            </a:extLst>
+          </p:cNvPr>
+          <p:cNvSpPr/>
+          <p:nvPr/>
+        </p:nvSpPr>
+        <p:spPr>
+          <a:xfrm>
+            <a:off x="0" y="5402595"/>
+            <a:ext cx="6017623" cy="743403"/>
+          </a:xfrm>
+          <a:prstGeom prst="rect">
+            <a:avLst/>
+          </a:prstGeom>
+          <a:solidFill>
+            <a:srgbClr val="70AD47"/>
+          </a:solidFill>
+          <a:ln>
+            <a:solidFill>
+              <a:srgbClr val="70AD47"/>
+            </a:solidFill>
+          </a:ln>
+        </p:spPr>
+        <p:style>
+          <a:lnRef idx="2">
+            <a:schemeClr val="accent1">
+              <a:shade val="50000"/>
+            </a:schemeClr>
+          </a:lnRef>
+          <a:fillRef idx="1">
+            <a:schemeClr val="accent1"/>
+          </a:fillRef>
+          <a:effectRef idx="0">
+            <a:schemeClr val="accent1"/>
+          </a:effectRef>
+          <a:fontRef idx="minor">
+            <a:schemeClr val="lt1"/>
+          </a:fontRef>
+        </p:style>
+        <p:txBody>
+          <a:bodyPr rtlCol="0" anchor="ctr"/>
+          <a:lstStyle/>
+          <a:p>
+            <a:pPr algn="ctr"/>
+            <a:endParaRPr lang="en-US" dirty="0">
+              <a:ln>
+                <a:solidFill>
+                  <a:srgbClr val="70AD47"/>
+                </a:solidFill>
+              </a:ln>
+              <a:solidFill>
+                <a:srgbClr val="70AD47"/>
+              </a:solidFill>
+            </a:endParaRPr>
+          </a:p>
+        </p:txBody>
+      </p:sp>
+      <p:sp>
+        <p:nvSpPr>
+          <p:cNvPr id="15" name="ZoneTexte 14">
+            <a:extLst>
+              <a:ext uri="{FF2B5EF4-FFF2-40B4-BE49-F238E27FC236}">
+                <a16:creationId xmlns:a16="http://schemas.microsoft.com/office/drawing/2014/main" id="{2D74E098-D074-466C-A81E-2F9A089E8DFA}"/>
+              </a:ext>
+            </a:extLst>
+          </p:cNvPr>
+          <p:cNvSpPr txBox="1"/>
+          <p:nvPr/>
+        </p:nvSpPr>
+        <p:spPr>
+          <a:xfrm>
+            <a:off x="0" y="5446792"/>
+            <a:ext cx="6017623" cy="646331"/>
+          </a:xfrm>
+          <a:prstGeom prst="rect">
+            <a:avLst/>
+          </a:prstGeom>
+          <a:noFill/>
+        </p:spPr>
+        <p:txBody>
+          <a:bodyPr wrap="square">
+            <a:spAutoFit/>
+          </a:bodyPr>
+          <a:lstStyle/>
+          <a:p>
+            <a:r>
+              <a:rPr lang="fr-FR" i="1" u="none" strike="noStrike" dirty="0">
+                <a:ln>
+                  <a:solidFill>
+                    <a:schemeClr val="bg1"/>
+                  </a:solidFill>
+                </a:ln>
+                <a:solidFill>
+                  <a:schemeClr val="bg1"/>
+                </a:solidFill>
+                <a:effectLst/>
+                <a:latin typeface="docs-Roboto"/>
+              </a:rPr>
+              <a:t>Pour chacun de ces pays, quelle sera l’évolution de ce potentiel de clients ?</a:t>
+            </a:r>
+            <a:endParaRPr lang="fr-FR" i="1" dirty="0">
+              <a:ln>
+                <a:solidFill>
+                  <a:schemeClr val="bg1"/>
+                </a:solidFill>
+              </a:ln>
+              <a:solidFill>
+                <a:schemeClr val="bg1"/>
+              </a:solidFill>
+              <a:latin typeface="Google Sans"/>
+            </a:endParaRPr>
+          </a:p>
+        </p:txBody>
+      </p:sp>
     </p:spTree>
     <p:extLst>
       <p:ext uri="{BB962C8B-B14F-4D97-AF65-F5344CB8AC3E}">
@@ -11387,7 +11617,7 @@
           <p:nvPr>
             <p:extLst>
               <p:ext uri="{D42A27DB-BD31-4B8C-83A1-F6EECF244321}">
-                <p14:modId xmlns:p14="http://schemas.microsoft.com/office/powerpoint/2010/main" val="875500719"/>
+                <p14:modId xmlns:p14="http://schemas.microsoft.com/office/powerpoint/2010/main" val="559395759"/>
               </p:ext>
             </p:extLst>
           </p:nvPr>
@@ -11483,7 +11713,7 @@
                   </a:txBody>
                   <a:tcPr anchor="ctr">
                     <a:solidFill>
-                      <a:srgbClr val="F4B183"/>
+                      <a:schemeClr val="accent1"/>
                     </a:solidFill>
                   </a:tcPr>
                 </a:tc>
@@ -12919,8 +13149,8 @@
         </p:blipFill>
         <p:spPr>
           <a:xfrm>
-            <a:off x="2697640" y="1426504"/>
-            <a:ext cx="9214444" cy="4607222"/>
+            <a:off x="3133069" y="1426504"/>
+            <a:ext cx="8067539" cy="4033770"/>
           </a:xfrm>
           <a:prstGeom prst="rect">
             <a:avLst/>
@@ -12951,7 +13181,7 @@
         </p:nvSpPr>
         <p:spPr>
           <a:xfrm>
-            <a:off x="803007" y="1676244"/>
+            <a:off x="1238436" y="1676244"/>
             <a:ext cx="1000044" cy="400110"/>
           </a:xfrm>
           <a:prstGeom prst="rect">
@@ -13011,7 +13241,7 @@
         </p:nvSpPr>
         <p:spPr>
           <a:xfrm>
-            <a:off x="803007" y="2193199"/>
+            <a:off x="1238436" y="2193199"/>
             <a:ext cx="1000044" cy="400110"/>
           </a:xfrm>
           <a:prstGeom prst="rect">
@@ -13071,7 +13301,7 @@
         </p:nvSpPr>
         <p:spPr>
           <a:xfrm>
-            <a:off x="803007" y="2710154"/>
+            <a:off x="1238436" y="2710154"/>
             <a:ext cx="1698544" cy="400110"/>
           </a:xfrm>
           <a:prstGeom prst="rect">
@@ -13163,8 +13393,8 @@
         </p:nvSpPr>
         <p:spPr>
           <a:xfrm>
-            <a:off x="2984500" y="1684859"/>
-            <a:ext cx="4521200" cy="4079542"/>
+            <a:off x="3419929" y="1684859"/>
+            <a:ext cx="3851729" cy="3642760"/>
           </a:xfrm>
           <a:prstGeom prst="rect">
             <a:avLst/>
@@ -13219,8 +13449,8 @@
         </p:nvCxnSpPr>
         <p:spPr>
           <a:xfrm flipH="1" flipV="1">
-            <a:off x="1375825" y="3270364"/>
-            <a:ext cx="1658628" cy="2261610"/>
+            <a:off x="1811254" y="3270364"/>
+            <a:ext cx="1608675" cy="1615279"/>
           </a:xfrm>
           <a:prstGeom prst="straightConnector1">
             <a:avLst/>
@@ -13261,7 +13491,7 @@
         </p:nvSpPr>
         <p:spPr>
           <a:xfrm>
-            <a:off x="237035" y="1528507"/>
+            <a:off x="672464" y="1528507"/>
             <a:ext cx="2277579" cy="1741857"/>
           </a:xfrm>
           <a:prstGeom prst="rect">
@@ -13328,7 +13558,7 @@
         </p:blipFill>
         <p:spPr>
           <a:xfrm>
-            <a:off x="401299" y="1696299"/>
+            <a:off x="836728" y="1696299"/>
             <a:ext cx="360000" cy="360000"/>
           </a:xfrm>
           <a:prstGeom prst="rect">
@@ -13364,7 +13594,7 @@
         </p:blipFill>
         <p:spPr>
           <a:xfrm>
-            <a:off x="401299" y="2225584"/>
+            <a:off x="836728" y="2225584"/>
             <a:ext cx="360000" cy="360000"/>
           </a:xfrm>
           <a:prstGeom prst="rect">
@@ -13400,7 +13630,7 @@
         </p:blipFill>
         <p:spPr>
           <a:xfrm>
-            <a:off x="400802" y="2730209"/>
+            <a:off x="836231" y="2730209"/>
             <a:ext cx="360000" cy="360000"/>
           </a:xfrm>
           <a:prstGeom prst="rect">
@@ -13408,6 +13638,126 @@
           </a:prstGeom>
         </p:spPr>
       </p:pic>
+      <p:sp>
+        <p:nvSpPr>
+          <p:cNvPr id="26" name="Rectangle 25">
+            <a:extLst>
+              <a:ext uri="{FF2B5EF4-FFF2-40B4-BE49-F238E27FC236}">
+                <a16:creationId xmlns:a16="http://schemas.microsoft.com/office/drawing/2014/main" id="{E8D30BD1-175F-48E3-A91F-FECC41A54B51}"/>
+              </a:ext>
+            </a:extLst>
+          </p:cNvPr>
+          <p:cNvSpPr/>
+          <p:nvPr/>
+        </p:nvSpPr>
+        <p:spPr>
+          <a:xfrm>
+            <a:off x="0" y="5688271"/>
+            <a:ext cx="5564777" cy="457727"/>
+          </a:xfrm>
+          <a:prstGeom prst="rect">
+            <a:avLst/>
+          </a:prstGeom>
+          <a:solidFill>
+            <a:srgbClr val="70AD47"/>
+          </a:solidFill>
+          <a:ln>
+            <a:solidFill>
+              <a:srgbClr val="70AD47"/>
+            </a:solidFill>
+          </a:ln>
+        </p:spPr>
+        <p:style>
+          <a:lnRef idx="2">
+            <a:schemeClr val="accent1">
+              <a:shade val="50000"/>
+            </a:schemeClr>
+          </a:lnRef>
+          <a:fillRef idx="1">
+            <a:schemeClr val="accent1"/>
+          </a:fillRef>
+          <a:effectRef idx="0">
+            <a:schemeClr val="accent1"/>
+          </a:effectRef>
+          <a:fontRef idx="minor">
+            <a:schemeClr val="lt1"/>
+          </a:fontRef>
+        </p:style>
+        <p:txBody>
+          <a:bodyPr rtlCol="0" anchor="ctr"/>
+          <a:lstStyle/>
+          <a:p>
+            <a:pPr algn="ctr"/>
+            <a:endParaRPr lang="en-US" dirty="0">
+              <a:ln>
+                <a:solidFill>
+                  <a:srgbClr val="70AD47"/>
+                </a:solidFill>
+              </a:ln>
+              <a:solidFill>
+                <a:srgbClr val="70AD47"/>
+              </a:solidFill>
+            </a:endParaRPr>
+          </a:p>
+        </p:txBody>
+      </p:sp>
+      <p:sp>
+        <p:nvSpPr>
+          <p:cNvPr id="27" name="ZoneTexte 26">
+            <a:extLst>
+              <a:ext uri="{FF2B5EF4-FFF2-40B4-BE49-F238E27FC236}">
+                <a16:creationId xmlns:a16="http://schemas.microsoft.com/office/drawing/2014/main" id="{3F4DF37C-4EFF-4339-BC2A-AF86E1032158}"/>
+              </a:ext>
+            </a:extLst>
+          </p:cNvPr>
+          <p:cNvSpPr txBox="1"/>
+          <p:nvPr/>
+        </p:nvSpPr>
+        <p:spPr>
+          <a:xfrm>
+            <a:off x="0" y="5745224"/>
+            <a:ext cx="5564777" cy="369332"/>
+          </a:xfrm>
+          <a:prstGeom prst="rect">
+            <a:avLst/>
+          </a:prstGeom>
+          <a:noFill/>
+        </p:spPr>
+        <p:txBody>
+          <a:bodyPr wrap="square">
+            <a:spAutoFit/>
+          </a:bodyPr>
+          <a:lstStyle/>
+          <a:p>
+            <a:r>
+              <a:rPr lang="fr-FR" i="1" u="none" strike="noStrike" dirty="0">
+                <a:ln>
+                  <a:solidFill>
+                    <a:schemeClr val="bg1"/>
+                  </a:solidFill>
+                </a:ln>
+                <a:solidFill>
+                  <a:schemeClr val="bg1"/>
+                </a:solidFill>
+                <a:effectLst/>
+                <a:latin typeface="docs-Roboto"/>
+              </a:rPr>
+              <a:t>Dans quels pays l'entreprise doit-elle opérer en priorité ?</a:t>
+            </a:r>
+            <a:endParaRPr lang="fr-FR" i="1" dirty="0">
+              <a:ln>
+                <a:solidFill>
+                  <a:schemeClr val="bg1"/>
+                </a:solidFill>
+              </a:ln>
+              <a:solidFill>
+                <a:schemeClr val="bg1"/>
+              </a:solidFill>
+              <a:latin typeface="Google Sans"/>
+            </a:endParaRPr>
+          </a:p>
+        </p:txBody>
+      </p:sp>
     </p:spTree>
     <p:extLst>
       <p:ext uri="{BB962C8B-B14F-4D97-AF65-F5344CB8AC3E}">
@@ -19047,17 +19397,11 @@
             <a:avLst/>
           </a:prstGeom>
           <a:solidFill>
-            <a:schemeClr val="accent2">
-              <a:lumMod val="60000"/>
-              <a:lumOff val="40000"/>
-            </a:schemeClr>
+            <a:schemeClr val="accent4"/>
           </a:solidFill>
           <a:ln>
             <a:solidFill>
-              <a:schemeClr val="accent2">
-                <a:lumMod val="60000"/>
-                <a:lumOff val="40000"/>
-              </a:schemeClr>
+              <a:schemeClr val="accent4"/>
             </a:solidFill>
           </a:ln>
         </p:spPr>
@@ -19115,7 +19459,7 @@
           <a:lstStyle/>
           <a:p>
             <a:r>
-              <a:rPr lang="fr-FR" u="none" strike="noStrike" dirty="0">
+              <a:rPr lang="fr-FR" i="1" u="none" strike="noStrike" dirty="0">
                 <a:ln>
                   <a:solidFill>
                     <a:schemeClr val="bg1"/>
@@ -19129,7 +19473,7 @@
               </a:rPr>
               <a:t>Soyez prudent avec ces relations.</a:t>
             </a:r>
-            <a:endParaRPr lang="fr-FR" dirty="0">
+            <a:endParaRPr lang="fr-FR" i="1" dirty="0">
               <a:ln>
                 <a:solidFill>
                   <a:schemeClr val="bg1"/>
